--- a/pub/Management/2013WorkPlanRetreat/NetworkPlanning-OSG-Retreat-2013-ShawnMcKee.pptx
+++ b/pub/Management/2013WorkPlanRetreat/NetworkPlanning-OSG-Retreat-2013-ShawnMcKee.pptx
@@ -5,7 +5,7 @@
     <p:sldMasterId id="2147483701" r:id="rId1"/>
   </p:sldMasterIdLst>
   <p:notesMasterIdLst>
-    <p:notesMasterId r:id="rId24"/>
+    <p:notesMasterId r:id="rId25"/>
   </p:notesMasterIdLst>
   <p:sldIdLst>
     <p:sldId id="256" r:id="rId2"/>
@@ -26,10 +26,11 @@
     <p:sldId id="377" r:id="rId17"/>
     <p:sldId id="378" r:id="rId18"/>
     <p:sldId id="379" r:id="rId19"/>
-    <p:sldId id="373" r:id="rId20"/>
-    <p:sldId id="374" r:id="rId21"/>
-    <p:sldId id="309" r:id="rId22"/>
-    <p:sldId id="358" r:id="rId23"/>
+    <p:sldId id="380" r:id="rId20"/>
+    <p:sldId id="373" r:id="rId21"/>
+    <p:sldId id="374" r:id="rId22"/>
+    <p:sldId id="309" r:id="rId23"/>
+    <p:sldId id="358" r:id="rId24"/>
   </p:sldIdLst>
   <p:sldSz cx="9144000" cy="6858000" type="screen4x3"/>
   <p:notesSz cx="6858000" cy="9144000"/>
@@ -252,7 +253,7 @@
               <a:pPr>
                 <a:defRPr/>
               </a:pPr>
-              <a:t>6/1/2013</a:t>
+              <a:t>6/4/2013</a:t>
             </a:fld>
             <a:endParaRPr lang="en-US"/>
           </a:p>
@@ -4762,7 +4763,6 @@
               <a:rPr lang="en-US" dirty="0" smtClean="0"/>
               <a:t>Network Area for OSG</a:t>
             </a:r>
-            <a:endParaRPr lang="en-US" dirty="0" smtClean="0"/>
           </a:p>
         </p:txBody>
       </p:sp>
@@ -4823,7 +4823,6 @@
               <a:rPr lang="en-US" dirty="0" smtClean="0"/>
               <a:t> 2013</a:t>
             </a:r>
-            <a:endParaRPr lang="en-US" dirty="0" smtClean="0"/>
           </a:p>
         </p:txBody>
       </p:sp>
@@ -7282,7 +7281,7 @@
         <p:spPr>
           <a:xfrm>
             <a:off x="304800" y="1143000"/>
-            <a:ext cx="8610600" cy="5257800"/>
+            <a:ext cx="8839200" cy="5257800"/>
           </a:xfrm>
         </p:spPr>
         <p:txBody>
@@ -7293,6 +7292,9 @@
               <a:lnSpc>
                 <a:spcPct val="100000"/>
               </a:lnSpc>
+              <a:spcBef>
+                <a:spcPts val="0"/>
+              </a:spcBef>
             </a:pPr>
             <a:r>
               <a:rPr lang="en-US" dirty="0" smtClean="0"/>
@@ -7312,6 +7314,9 @@
               <a:lnSpc>
                 <a:spcPct val="100000"/>
               </a:lnSpc>
+              <a:spcBef>
+                <a:spcPts val="0"/>
+              </a:spcBef>
             </a:pPr>
             <a:r>
               <a:rPr lang="en-US" dirty="0" smtClean="0"/>
@@ -7347,6 +7352,9 @@
               <a:lnSpc>
                 <a:spcPct val="100000"/>
               </a:lnSpc>
+              <a:spcBef>
+                <a:spcPts val="0"/>
+              </a:spcBef>
             </a:pPr>
             <a:r>
               <a:rPr lang="en-US" dirty="0"/>
@@ -7367,6 +7375,9 @@
               <a:lnSpc>
                 <a:spcPct val="100000"/>
               </a:lnSpc>
+              <a:spcBef>
+                <a:spcPts val="0"/>
+              </a:spcBef>
             </a:pPr>
             <a:r>
               <a:rPr lang="en-US" dirty="0" smtClean="0"/>
@@ -7410,6 +7421,9 @@
               <a:lnSpc>
                 <a:spcPct val="100000"/>
               </a:lnSpc>
+              <a:spcBef>
+                <a:spcPts val="0"/>
+              </a:spcBef>
             </a:pPr>
             <a:r>
               <a:rPr lang="en-US" dirty="0"/>
@@ -7438,6 +7452,9 @@
               <a:lnSpc>
                 <a:spcPct val="100000"/>
               </a:lnSpc>
+              <a:spcBef>
+                <a:spcPts val="0"/>
+              </a:spcBef>
             </a:pPr>
             <a:r>
               <a:rPr lang="en-US" dirty="0" smtClean="0"/>
@@ -7466,6 +7483,20 @@
             <a:r>
               <a:rPr lang="en-US" dirty="0" smtClean="0"/>
               <a:t>.“</a:t>
+            </a:r>
+          </a:p>
+          <a:p>
+            <a:pPr>
+              <a:lnSpc>
+                <a:spcPct val="100000"/>
+              </a:lnSpc>
+              <a:spcBef>
+                <a:spcPts val="0"/>
+              </a:spcBef>
+            </a:pPr>
+            <a:r>
+              <a:rPr lang="en-US" dirty="0" smtClean="0"/>
+              <a:t>Document examples of successful use of OSG network tools</a:t>
             </a:r>
             <a:endParaRPr lang="en-US" dirty="0"/>
           </a:p>
@@ -7607,7 +7638,7 @@
           <a:p>
             <a:r>
               <a:rPr lang="en-US" dirty="0" smtClean="0"/>
-              <a:t>WLCG Request Discussion</a:t>
+              <a:t>Year 2 Planning Summary</a:t>
             </a:r>
             <a:endParaRPr lang="en-US" dirty="0"/>
           </a:p>
@@ -7623,7 +7654,12 @@
             <p:ph idx="1"/>
           </p:nvPr>
         </p:nvSpPr>
-        <p:spPr/>
+        <p:spPr>
+          <a:xfrm>
+            <a:off x="304800" y="1219200"/>
+            <a:ext cx="8610600" cy="5105400"/>
+          </a:xfrm>
+        </p:spPr>
         <p:txBody>
           <a:bodyPr/>
           <a:lstStyle/>
@@ -7635,58 +7671,35 @@
             </a:pPr>
             <a:r>
               <a:rPr lang="en-US" dirty="0" smtClean="0"/>
-              <a:t>WLCG is planning to deploy </a:t>
-            </a:r>
-            <a:r>
-              <a:rPr lang="en-US" dirty="0" err="1" smtClean="0"/>
-              <a:t>perfSONAR</a:t>
-            </a:r>
-            <a:r>
-              <a:rPr lang="en-US" dirty="0" smtClean="0"/>
-              <a:t>-PS Toolkits at ALL WLCG Tier-1/Tier-2 sites worldwide once  v3.3 is out</a:t>
-            </a:r>
-          </a:p>
-          <a:p>
-            <a:pPr lvl="1">
+              <a:t>Finish providing broad-scale, standardized, reliable network metric gathering OSG-wide</a:t>
+            </a:r>
+          </a:p>
+          <a:p>
+            <a:pPr>
               <a:lnSpc>
                 <a:spcPct val="100000"/>
               </a:lnSpc>
             </a:pPr>
             <a:r>
               <a:rPr lang="en-US" dirty="0" smtClean="0"/>
-              <a:t>They also require a centralized service to collect, organize and make available </a:t>
-            </a:r>
-            <a:r>
-              <a:rPr lang="en-US" dirty="0" err="1" smtClean="0"/>
-              <a:t>perfSONAR</a:t>
-            </a:r>
-            <a:r>
-              <a:rPr lang="en-US" dirty="0" smtClean="0"/>
-              <a:t>-PS network metrics</a:t>
-            </a:r>
-          </a:p>
-          <a:p>
-            <a:pPr lvl="1">
+              <a:t>Enable more effective network service in OSG (alarm/alert)</a:t>
+            </a:r>
+          </a:p>
+          <a:p>
+            <a:pPr>
               <a:lnSpc>
                 <a:spcPct val="100000"/>
               </a:lnSpc>
             </a:pPr>
             <a:r>
               <a:rPr lang="en-US" dirty="0" smtClean="0"/>
-              <a:t>Currently they have been using the </a:t>
-            </a:r>
-            <a:r>
-              <a:rPr lang="en-US" b="1" dirty="0" smtClean="0">
-                <a:solidFill>
-                  <a:srgbClr val="00B050"/>
-                </a:solidFill>
-              </a:rPr>
-              <a:t>original BNL dashboard </a:t>
-            </a:r>
-            <a:r>
-              <a:rPr lang="en-US" dirty="0" smtClean="0"/>
-              <a:t>(LHCOPN, LHCONE, various Tier-1 clouds (CA,IT,UK, FR)</a:t>
-            </a:r>
+              <a:t>Continue to maintain and update network documentation and how-</a:t>
+            </a:r>
+            <a:r>
+              <a:rPr lang="en-US" dirty="0" err="1" smtClean="0"/>
+              <a:t>to’s</a:t>
+            </a:r>
+            <a:endParaRPr lang="en-US" dirty="0"/>
           </a:p>
           <a:p>
             <a:pPr>
@@ -7696,25 +7709,16 @@
             </a:pPr>
             <a:r>
               <a:rPr lang="en-US" dirty="0" smtClean="0"/>
-              <a:t>The </a:t>
-            </a:r>
-            <a:r>
-              <a:rPr lang="en-US" b="1" dirty="0" smtClean="0">
-                <a:solidFill>
-                  <a:srgbClr val="00B050"/>
-                </a:solidFill>
-              </a:rPr>
-              <a:t>BNL dashboard </a:t>
-            </a:r>
-            <a:r>
-              <a:rPr lang="en-US" dirty="0" smtClean="0"/>
-              <a:t>is supposed to move to OSG once we complete replicating the capabilities in the modular dashboard and integrate within </a:t>
+              <a:t>Incorporate networking advances (100G, SDN, various network projects) into OSG repertoire (tools, info, </a:t>
             </a:r>
             <a:r>
               <a:rPr lang="en-US" dirty="0" err="1" smtClean="0"/>
-              <a:t>MyOSG</a:t>
-            </a:r>
-            <a:endParaRPr lang="en-US" dirty="0" smtClean="0"/>
+              <a:t>etc</a:t>
+            </a:r>
+            <a:r>
+              <a:rPr lang="en-US" dirty="0" smtClean="0"/>
+              <a:t>)</a:t>
+            </a:r>
           </a:p>
           <a:p>
             <a:pPr>
@@ -7723,52 +7727,9 @@
               </a:lnSpc>
             </a:pPr>
             <a:r>
-              <a:rPr lang="en-US" b="1" dirty="0" smtClean="0">
-                <a:solidFill>
-                  <a:srgbClr val="FF0000"/>
-                </a:solidFill>
-              </a:rPr>
-              <a:t>WLCG requests that OSG (as a WLCG member) provide the </a:t>
-            </a:r>
-            <a:r>
-              <a:rPr lang="en-US" b="1" dirty="0" err="1" smtClean="0">
-                <a:solidFill>
-                  <a:srgbClr val="FF0000"/>
-                </a:solidFill>
-              </a:rPr>
-              <a:t>perfSONAR</a:t>
-            </a:r>
-            <a:r>
-              <a:rPr lang="en-US" b="1" dirty="0" smtClean="0">
-                <a:solidFill>
-                  <a:srgbClr val="FF0000"/>
-                </a:solidFill>
-              </a:rPr>
-              <a:t>-PS dashboard for WLCG</a:t>
-            </a:r>
-          </a:p>
-          <a:p>
-            <a:pPr>
-              <a:lnSpc>
-                <a:spcPct val="100000"/>
-              </a:lnSpc>
-            </a:pPr>
-            <a:r>
-              <a:rPr lang="en-US" dirty="0" smtClean="0"/>
-              <a:t>We need to respond to the request and should discuss the  benefits and costs here…</a:t>
-            </a:r>
-            <a:endParaRPr lang="en-US" b="1" dirty="0" smtClean="0">
-              <a:solidFill>
-                <a:srgbClr val="FF0000"/>
-              </a:solidFill>
-            </a:endParaRPr>
-          </a:p>
-          <a:p>
-            <a:pPr lvl="1"/>
-            <a:endParaRPr lang="en-US" dirty="0" smtClean="0"/>
-          </a:p>
-          <a:p>
-            <a:pPr lvl="1"/>
+              <a:rPr lang="en-US" dirty="0" smtClean="0"/>
+              <a:t>Document success/failure examples of  troubleshooting OSG network issues – Need to learn from these.</a:t>
+            </a:r>
             <a:endParaRPr lang="en-US" dirty="0"/>
           </a:p>
         </p:txBody>
@@ -7857,7 +7818,7 @@
     </p:spTree>
     <p:extLst>
       <p:ext uri="{BB962C8B-B14F-4D97-AF65-F5344CB8AC3E}">
-        <p14:creationId xmlns:p14="http://schemas.microsoft.com/office/powerpoint/2010/main" val="3483464362"/>
+        <p14:creationId xmlns:p14="http://schemas.microsoft.com/office/powerpoint/2010/main" val="958275388"/>
       </p:ext>
     </p:extLst>
   </p:cSld>
@@ -7865,13 +7826,6 @@
     <a:masterClrMapping/>
   </p:clrMapOvr>
   <p:transition/>
-  <p:timing>
-    <p:tnLst>
-      <p:par>
-        <p:cTn id="1" dur="indefinite" restart="never" nodeType="tmRoot"/>
-      </p:par>
-    </p:tnLst>
-  </p:timing>
 </p:sld>
 </file>
 
@@ -7939,11 +7893,7 @@
             <a:pPr lvl="1"/>
             <a:r>
               <a:rPr lang="en-US" dirty="0" smtClean="0"/>
-              <a:t>Year 1 Goals and </a:t>
-            </a:r>
-            <a:r>
-              <a:rPr lang="en-US" dirty="0" smtClean="0"/>
-              <a:t>Key Accomplishments</a:t>
+              <a:t>Year 1 Goals and Key Accomplishments</a:t>
             </a:r>
           </a:p>
           <a:p>
@@ -7999,7 +7949,6 @@
               <a:rPr lang="en-US" dirty="0" smtClean="0"/>
               <a:t>Summary, Questions, Discussion</a:t>
             </a:r>
-            <a:endParaRPr lang="en-US" dirty="0" smtClean="0"/>
           </a:p>
         </p:txBody>
       </p:sp>
@@ -8139,15 +8088,7 @@
           <a:p>
             <a:r>
               <a:rPr lang="en-US" dirty="0" smtClean="0"/>
-              <a:t>Providing WLCG </a:t>
-            </a:r>
-            <a:r>
-              <a:rPr lang="en-US" dirty="0" err="1" smtClean="0"/>
-              <a:t>perfSONAR</a:t>
-            </a:r>
-            <a:r>
-              <a:rPr lang="en-US" dirty="0" smtClean="0"/>
-              <a:t> Dashboard / Network Service in OSG</a:t>
+              <a:t>WLCG Request Discussion</a:t>
             </a:r>
             <a:endParaRPr lang="en-US" dirty="0"/>
           </a:p>
@@ -8163,12 +8104,7 @@
             <p:ph idx="1"/>
           </p:nvPr>
         </p:nvSpPr>
-        <p:spPr>
-          <a:xfrm>
-            <a:off x="304800" y="990600"/>
-            <a:ext cx="8610600" cy="5410200"/>
-          </a:xfrm>
-        </p:spPr>
+        <p:spPr/>
         <p:txBody>
           <a:bodyPr/>
           <a:lstStyle/>
@@ -8180,42 +8116,116 @@
             </a:pPr>
             <a:r>
               <a:rPr lang="en-US" dirty="0" smtClean="0"/>
-              <a:t>Advantages:  As </a:t>
+              <a:t>WLCG is planning to deploy </a:t>
             </a:r>
             <a:r>
               <a:rPr lang="en-US" dirty="0" err="1" smtClean="0"/>
-              <a:t>Chander</a:t>
-            </a:r>
-            <a:r>
-              <a:rPr lang="en-US" dirty="0" smtClean="0"/>
-              <a:t> noted it would be great to have </a:t>
-            </a:r>
-            <a:r>
-              <a:rPr lang="en-US" dirty="0" smtClean="0">
+              <a:t>perfSONAR</a:t>
+            </a:r>
+            <a:r>
+              <a:rPr lang="en-US" dirty="0" smtClean="0"/>
+              <a:t>-PS Toolkits at ALL WLCG Tier-1/Tier-2 sites worldwide once  v3.3 is out</a:t>
+            </a:r>
+          </a:p>
+          <a:p>
+            <a:pPr lvl="1">
+              <a:lnSpc>
+                <a:spcPct val="100000"/>
+              </a:lnSpc>
+            </a:pPr>
+            <a:r>
+              <a:rPr lang="en-US" dirty="0" smtClean="0"/>
+              <a:t>They also require a centralized service to collect, organize and make available </a:t>
+            </a:r>
+            <a:r>
+              <a:rPr lang="en-US" dirty="0" err="1" smtClean="0"/>
+              <a:t>perfSONAR</a:t>
+            </a:r>
+            <a:r>
+              <a:rPr lang="en-US" dirty="0" smtClean="0"/>
+              <a:t>-PS network metrics</a:t>
+            </a:r>
+          </a:p>
+          <a:p>
+            <a:pPr lvl="1">
+              <a:lnSpc>
+                <a:spcPct val="100000"/>
+              </a:lnSpc>
+            </a:pPr>
+            <a:r>
+              <a:rPr lang="en-US" dirty="0" smtClean="0"/>
+              <a:t>Currently they have been using the </a:t>
+            </a:r>
+            <a:r>
+              <a:rPr lang="en-US" b="1" dirty="0" smtClean="0">
+                <a:solidFill>
+                  <a:srgbClr val="00B050"/>
+                </a:solidFill>
+              </a:rPr>
+              <a:t>original BNL dashboard </a:t>
+            </a:r>
+            <a:r>
+              <a:rPr lang="en-US" dirty="0" smtClean="0"/>
+              <a:t>(LHCOPN, LHCONE, various Tier-1 clouds (CA,IT,UK, FR)</a:t>
+            </a:r>
+          </a:p>
+          <a:p>
+            <a:pPr>
+              <a:lnSpc>
+                <a:spcPct val="100000"/>
+              </a:lnSpc>
+            </a:pPr>
+            <a:r>
+              <a:rPr lang="en-US" dirty="0" smtClean="0"/>
+              <a:t>The </a:t>
+            </a:r>
+            <a:r>
+              <a:rPr lang="en-US" b="1" dirty="0" smtClean="0">
+                <a:solidFill>
+                  <a:srgbClr val="00B050"/>
+                </a:solidFill>
+              </a:rPr>
+              <a:t>BNL dashboard </a:t>
+            </a:r>
+            <a:r>
+              <a:rPr lang="en-US" dirty="0" smtClean="0"/>
+              <a:t>is supposed to move to OSG once we complete replicating the capabilities in the modular dashboard and integrate within </a:t>
+            </a:r>
+            <a:r>
+              <a:rPr lang="en-US" dirty="0" err="1" smtClean="0"/>
+              <a:t>MyOSG</a:t>
+            </a:r>
+            <a:endParaRPr lang="en-US" dirty="0" smtClean="0"/>
+          </a:p>
+          <a:p>
+            <a:pPr>
+              <a:lnSpc>
+                <a:spcPct val="100000"/>
+              </a:lnSpc>
+            </a:pPr>
+            <a:r>
+              <a:rPr lang="en-US" b="1" dirty="0" smtClean="0">
                 <a:solidFill>
                   <a:srgbClr val="FF0000"/>
                 </a:solidFill>
               </a:rPr>
-              <a:t>OSG be the host of a very important WLCG service and dataset</a:t>
-            </a:r>
-          </a:p>
-          <a:p>
-            <a:pPr>
-              <a:lnSpc>
-                <a:spcPct val="100000"/>
-              </a:lnSpc>
-            </a:pPr>
-            <a:r>
-              <a:rPr lang="en-US" dirty="0" smtClean="0"/>
-              <a:t>Disadvantages:  </a:t>
-            </a:r>
-            <a:r>
-              <a:rPr lang="en-US" dirty="0" smtClean="0">
+              <a:t>WLCG requests that OSG (as a WLCG member) provide the </a:t>
+            </a:r>
+            <a:r>
+              <a:rPr lang="en-US" b="1" dirty="0" err="1" smtClean="0">
                 <a:solidFill>
                   <a:srgbClr val="FF0000"/>
                 </a:solidFill>
               </a:rPr>
-              <a:t>OSG would be the host of a very important WLCG service and dataset</a:t>
+              <a:t>perfSONAR</a:t>
+            </a:r>
+            <a:r>
+              <a:rPr lang="en-US" b="1" dirty="0" smtClean="0">
+                <a:solidFill>
+                  <a:srgbClr val="FF0000"/>
+                </a:solidFill>
+              </a:rPr>
+              <a:t>-PS dashboard for WLCG</a:t>
             </a:r>
           </a:p>
           <a:p>
@@ -8225,77 +8235,22 @@
               </a:lnSpc>
             </a:pPr>
             <a:r>
-              <a:rPr lang="en-US" dirty="0" smtClean="0">
-                <a:solidFill>
-                  <a:srgbClr val="0070C0"/>
-                </a:solidFill>
-              </a:rPr>
-              <a:t>Scale is that WLCG will deploy at ~150 sites with some overlap (~20) with OSG sites</a:t>
-            </a:r>
-          </a:p>
-          <a:p>
-            <a:pPr lvl="1">
-              <a:lnSpc>
-                <a:spcPct val="100000"/>
-              </a:lnSpc>
-            </a:pPr>
-            <a:r>
-              <a:rPr lang="en-US" dirty="0" smtClean="0">
-                <a:solidFill>
-                  <a:srgbClr val="0070C0"/>
-                </a:solidFill>
-              </a:rPr>
-              <a:t>Modular dashboard was designed to scale by “going wide”  Add more collectors or </a:t>
-            </a:r>
-            <a:r>
-              <a:rPr lang="en-US" dirty="0" err="1" smtClean="0">
-                <a:solidFill>
-                  <a:srgbClr val="0070C0"/>
-                </a:solidFill>
-              </a:rPr>
-              <a:t>datastores</a:t>
-            </a:r>
-            <a:r>
-              <a:rPr lang="en-US" dirty="0" smtClean="0">
-                <a:solidFill>
-                  <a:srgbClr val="0070C0"/>
-                </a:solidFill>
-              </a:rPr>
-              <a:t> to handle increasing loads</a:t>
-            </a:r>
-          </a:p>
-          <a:p>
-            <a:pPr>
-              <a:lnSpc>
-                <a:spcPct val="100000"/>
-              </a:lnSpc>
-            </a:pPr>
-            <a:r>
-              <a:rPr lang="en-US" dirty="0" smtClean="0"/>
-              <a:t>We need to determine the costs and requirements involved</a:t>
-            </a:r>
-          </a:p>
-          <a:p>
-            <a:pPr>
-              <a:lnSpc>
-                <a:spcPct val="100000"/>
-              </a:lnSpc>
-            </a:pPr>
-            <a:r>
-              <a:rPr lang="en-US" dirty="0" smtClean="0"/>
-              <a:t>Good suggestion from Brian: don’t commit to anything yet, but actually try to run the service to gain sufficient experience to fully understand what is involved. </a:t>
-            </a:r>
-          </a:p>
-          <a:p>
-            <a:pPr lvl="1">
-              <a:lnSpc>
-                <a:spcPct val="100000"/>
-              </a:lnSpc>
-            </a:pPr>
-            <a:r>
-              <a:rPr lang="en-US" dirty="0" smtClean="0"/>
-              <a:t>Let WLCG know we will test and provide an answer in ~3 months? </a:t>
-            </a:r>
+              <a:rPr lang="en-US" dirty="0" smtClean="0"/>
+              <a:t>We need to respond to the request and should discuss the  benefits and costs here…</a:t>
+            </a:r>
+            <a:endParaRPr lang="en-US" b="1" dirty="0" smtClean="0">
+              <a:solidFill>
+                <a:srgbClr val="FF0000"/>
+              </a:solidFill>
+            </a:endParaRPr>
+          </a:p>
+          <a:p>
+            <a:pPr lvl="1"/>
+            <a:endParaRPr lang="en-US" dirty="0" smtClean="0"/>
+          </a:p>
+          <a:p>
+            <a:pPr lvl="1"/>
+            <a:endParaRPr lang="en-US" dirty="0"/>
           </a:p>
         </p:txBody>
       </p:sp>
@@ -8383,7 +8338,7 @@
     </p:spTree>
     <p:extLst>
       <p:ext uri="{BB962C8B-B14F-4D97-AF65-F5344CB8AC3E}">
-        <p14:creationId xmlns:p14="http://schemas.microsoft.com/office/powerpoint/2010/main" val="318103000"/>
+        <p14:creationId xmlns:p14="http://schemas.microsoft.com/office/powerpoint/2010/main" val="3483464362"/>
       </p:ext>
     </p:extLst>
   </p:cSld>
@@ -8435,7 +8390,15 @@
           <a:p>
             <a:r>
               <a:rPr lang="en-US" dirty="0" smtClean="0"/>
-              <a:t>Discussion/Questions</a:t>
+              <a:t>Providing WLCG </a:t>
+            </a:r>
+            <a:r>
+              <a:rPr lang="en-US" dirty="0" err="1" smtClean="0"/>
+              <a:t>perfSONAR</a:t>
+            </a:r>
+            <a:r>
+              <a:rPr lang="en-US" dirty="0" smtClean="0"/>
+              <a:t> Dashboard / Network Service in OSG</a:t>
             </a:r>
             <a:endParaRPr lang="en-US" dirty="0"/>
           </a:p>
@@ -8443,6 +8406,152 @@
       </p:sp>
       <p:sp>
         <p:nvSpPr>
+          <p:cNvPr id="3" name="Content Placeholder 2"/>
+          <p:cNvSpPr>
+            <a:spLocks noGrp="1"/>
+          </p:cNvSpPr>
+          <p:nvPr>
+            <p:ph idx="1"/>
+          </p:nvPr>
+        </p:nvSpPr>
+        <p:spPr>
+          <a:xfrm>
+            <a:off x="304800" y="990600"/>
+            <a:ext cx="8610600" cy="5410200"/>
+          </a:xfrm>
+        </p:spPr>
+        <p:txBody>
+          <a:bodyPr/>
+          <a:lstStyle/>
+          <a:p>
+            <a:pPr>
+              <a:lnSpc>
+                <a:spcPct val="100000"/>
+              </a:lnSpc>
+            </a:pPr>
+            <a:r>
+              <a:rPr lang="en-US" dirty="0" smtClean="0"/>
+              <a:t>Advantages:  As </a:t>
+            </a:r>
+            <a:r>
+              <a:rPr lang="en-US" dirty="0" err="1" smtClean="0"/>
+              <a:t>Chander</a:t>
+            </a:r>
+            <a:r>
+              <a:rPr lang="en-US" dirty="0" smtClean="0"/>
+              <a:t> noted it would be great to have </a:t>
+            </a:r>
+            <a:r>
+              <a:rPr lang="en-US" dirty="0" smtClean="0">
+                <a:solidFill>
+                  <a:srgbClr val="FF0000"/>
+                </a:solidFill>
+              </a:rPr>
+              <a:t>OSG be the host of a very important WLCG service and dataset</a:t>
+            </a:r>
+          </a:p>
+          <a:p>
+            <a:pPr>
+              <a:lnSpc>
+                <a:spcPct val="100000"/>
+              </a:lnSpc>
+            </a:pPr>
+            <a:r>
+              <a:rPr lang="en-US" dirty="0" smtClean="0"/>
+              <a:t>Disadvantages:  </a:t>
+            </a:r>
+            <a:r>
+              <a:rPr lang="en-US" dirty="0" smtClean="0">
+                <a:solidFill>
+                  <a:srgbClr val="FF0000"/>
+                </a:solidFill>
+              </a:rPr>
+              <a:t>OSG would be the host of a very important WLCG service and dataset</a:t>
+            </a:r>
+          </a:p>
+          <a:p>
+            <a:pPr>
+              <a:lnSpc>
+                <a:spcPct val="100000"/>
+              </a:lnSpc>
+            </a:pPr>
+            <a:r>
+              <a:rPr lang="en-US" dirty="0" smtClean="0">
+                <a:solidFill>
+                  <a:srgbClr val="0070C0"/>
+                </a:solidFill>
+              </a:rPr>
+              <a:t>Scale is that WLCG will deploy at ~150 sites with some overlap (~20) with OSG sites</a:t>
+            </a:r>
+          </a:p>
+          <a:p>
+            <a:pPr lvl="1">
+              <a:lnSpc>
+                <a:spcPct val="100000"/>
+              </a:lnSpc>
+            </a:pPr>
+            <a:r>
+              <a:rPr lang="en-US" dirty="0" smtClean="0">
+                <a:solidFill>
+                  <a:srgbClr val="0070C0"/>
+                </a:solidFill>
+              </a:rPr>
+              <a:t>Modular dashboard was designed to scale by “going wide”  Add more collectors or </a:t>
+            </a:r>
+            <a:r>
+              <a:rPr lang="en-US" dirty="0" err="1" smtClean="0">
+                <a:solidFill>
+                  <a:srgbClr val="0070C0"/>
+                </a:solidFill>
+              </a:rPr>
+              <a:t>datastores</a:t>
+            </a:r>
+            <a:r>
+              <a:rPr lang="en-US" dirty="0" smtClean="0">
+                <a:solidFill>
+                  <a:srgbClr val="0070C0"/>
+                </a:solidFill>
+              </a:rPr>
+              <a:t> to handle increasing loads</a:t>
+            </a:r>
+          </a:p>
+          <a:p>
+            <a:pPr>
+              <a:lnSpc>
+                <a:spcPct val="100000"/>
+              </a:lnSpc>
+            </a:pPr>
+            <a:r>
+              <a:rPr lang="en-US" dirty="0" smtClean="0"/>
+              <a:t>We need to determine the costs and requirements involved</a:t>
+            </a:r>
+          </a:p>
+          <a:p>
+            <a:pPr>
+              <a:lnSpc>
+                <a:spcPct val="100000"/>
+              </a:lnSpc>
+            </a:pPr>
+            <a:r>
+              <a:rPr lang="en-US" dirty="0" smtClean="0"/>
+              <a:t>Good suggestion from Brian: don’t commit to anything yet, but actually try to run the service to gain sufficient experience to fully understand what is involved. </a:t>
+            </a:r>
+          </a:p>
+          <a:p>
+            <a:pPr lvl="1">
+              <a:lnSpc>
+                <a:spcPct val="100000"/>
+              </a:lnSpc>
+            </a:pPr>
+            <a:r>
+              <a:rPr lang="en-US" dirty="0" smtClean="0"/>
+              <a:t>Let WLCG know we will test and provide an answer in ~3 months? </a:t>
+            </a:r>
+          </a:p>
+        </p:txBody>
+      </p:sp>
+      <p:sp>
+        <p:nvSpPr>
           <p:cNvPr id="4" name="Date Placeholder 3"/>
           <p:cNvSpPr>
             <a:spLocks noGrp="1"/>
@@ -8469,7 +8578,7 @@
       </p:sp>
       <p:sp>
         <p:nvSpPr>
-          <p:cNvPr id="6" name="Footer Placeholder 5"/>
+          <p:cNvPr id="5" name="Footer Placeholder 4"/>
           <p:cNvSpPr>
             <a:spLocks noGrp="1"/>
           </p:cNvSpPr>
@@ -8489,13 +8598,13 @@
               <a:rPr lang="en-US" smtClean="0"/>
               <a:t>OSG Staff Planning Retreat</a:t>
             </a:r>
-            <a:endParaRPr lang="en-US" dirty="0"/>
-          </a:p>
-        </p:txBody>
-      </p:sp>
-      <p:sp>
-        <p:nvSpPr>
-          <p:cNvPr id="7" name="Slide Number Placeholder 6"/>
+            <a:endParaRPr lang="en-US"/>
+          </a:p>
+        </p:txBody>
+      </p:sp>
+      <p:sp>
+        <p:nvSpPr>
+          <p:cNvPr id="6" name="Slide Number Placeholder 5"/>
           <p:cNvSpPr>
             <a:spLocks noGrp="1"/>
           </p:cNvSpPr>
@@ -8522,45 +8631,12 @@
           </a:p>
         </p:txBody>
       </p:sp>
-      <p:sp>
-        <p:nvSpPr>
-          <p:cNvPr id="5" name="Content Placeholder 4"/>
-          <p:cNvSpPr>
-            <a:spLocks noGrp="1"/>
-          </p:cNvSpPr>
-          <p:nvPr>
-            <p:ph idx="1"/>
-          </p:nvPr>
-        </p:nvSpPr>
-        <p:spPr/>
-        <p:txBody>
-          <a:bodyPr/>
-          <a:lstStyle/>
-          <a:p>
-            <a:endParaRPr lang="en-US" dirty="0" smtClean="0"/>
-          </a:p>
-          <a:p>
-            <a:endParaRPr lang="en-US" dirty="0"/>
-          </a:p>
-          <a:p>
-            <a:pPr marL="0" indent="0" algn="ctr">
-              <a:buNone/>
-            </a:pPr>
-            <a:r>
-              <a:rPr lang="en-US" sz="4000" dirty="0" smtClean="0"/>
-              <a:t>Questions or Discussion?</a:t>
-            </a:r>
-            <a:endParaRPr lang="en-US" sz="4000" dirty="0" smtClean="0"/>
-          </a:p>
-          <a:p>
-            <a:pPr marL="0" indent="0">
-              <a:buNone/>
-            </a:pPr>
-            <a:endParaRPr lang="en-US" dirty="0"/>
-          </a:p>
-        </p:txBody>
-      </p:sp>
     </p:spTree>
+    <p:extLst>
+      <p:ext uri="{BB962C8B-B14F-4D97-AF65-F5344CB8AC3E}">
+        <p14:creationId xmlns:p14="http://schemas.microsoft.com/office/powerpoint/2010/main" val="318103000"/>
+      </p:ext>
+    </p:extLst>
   </p:cSld>
   <p:clrMapOvr>
     <a:masterClrMapping/>
@@ -8610,6 +8686,180 @@
           <a:p>
             <a:r>
               <a:rPr lang="en-US" dirty="0" smtClean="0"/>
+              <a:t>Discussion/Questions</a:t>
+            </a:r>
+            <a:endParaRPr lang="en-US" dirty="0"/>
+          </a:p>
+        </p:txBody>
+      </p:sp>
+      <p:sp>
+        <p:nvSpPr>
+          <p:cNvPr id="4" name="Date Placeholder 3"/>
+          <p:cNvSpPr>
+            <a:spLocks noGrp="1"/>
+          </p:cNvSpPr>
+          <p:nvPr>
+            <p:ph type="dt" sz="half" idx="10"/>
+          </p:nvPr>
+        </p:nvSpPr>
+        <p:spPr/>
+        <p:txBody>
+          <a:bodyPr/>
+          <a:lstStyle/>
+          <a:p>
+            <a:pPr>
+              <a:defRPr/>
+            </a:pPr>
+            <a:r>
+              <a:rPr lang="en-US" smtClean="0"/>
+              <a:t>June 4 2013</a:t>
+            </a:r>
+            <a:endParaRPr lang="en-US" dirty="0"/>
+          </a:p>
+        </p:txBody>
+      </p:sp>
+      <p:sp>
+        <p:nvSpPr>
+          <p:cNvPr id="6" name="Footer Placeholder 5"/>
+          <p:cNvSpPr>
+            <a:spLocks noGrp="1"/>
+          </p:cNvSpPr>
+          <p:nvPr>
+            <p:ph type="ftr" sz="quarter" idx="11"/>
+          </p:nvPr>
+        </p:nvSpPr>
+        <p:spPr/>
+        <p:txBody>
+          <a:bodyPr/>
+          <a:lstStyle/>
+          <a:p>
+            <a:pPr>
+              <a:defRPr/>
+            </a:pPr>
+            <a:r>
+              <a:rPr lang="en-US" smtClean="0"/>
+              <a:t>OSG Staff Planning Retreat</a:t>
+            </a:r>
+            <a:endParaRPr lang="en-US" dirty="0"/>
+          </a:p>
+        </p:txBody>
+      </p:sp>
+      <p:sp>
+        <p:nvSpPr>
+          <p:cNvPr id="7" name="Slide Number Placeholder 6"/>
+          <p:cNvSpPr>
+            <a:spLocks noGrp="1"/>
+          </p:cNvSpPr>
+          <p:nvPr>
+            <p:ph type="sldNum" sz="quarter" idx="12"/>
+          </p:nvPr>
+        </p:nvSpPr>
+        <p:spPr/>
+        <p:txBody>
+          <a:bodyPr/>
+          <a:lstStyle/>
+          <a:p>
+            <a:pPr>
+              <a:defRPr/>
+            </a:pPr>
+            <a:fld id="{CFF787FE-4119-4211-AE05-64DE0D0071A9}" type="slidenum">
+              <a:rPr lang="en-US" smtClean="0"/>
+              <a:pPr>
+                <a:defRPr/>
+              </a:pPr>
+              <a:t>22</a:t>
+            </a:fld>
+            <a:endParaRPr lang="en-US"/>
+          </a:p>
+        </p:txBody>
+      </p:sp>
+      <p:sp>
+        <p:nvSpPr>
+          <p:cNvPr id="5" name="Content Placeholder 4"/>
+          <p:cNvSpPr>
+            <a:spLocks noGrp="1"/>
+          </p:cNvSpPr>
+          <p:nvPr>
+            <p:ph idx="1"/>
+          </p:nvPr>
+        </p:nvSpPr>
+        <p:spPr/>
+        <p:txBody>
+          <a:bodyPr/>
+          <a:lstStyle/>
+          <a:p>
+            <a:endParaRPr lang="en-US" dirty="0" smtClean="0"/>
+          </a:p>
+          <a:p>
+            <a:endParaRPr lang="en-US" dirty="0"/>
+          </a:p>
+          <a:p>
+            <a:pPr marL="0" indent="0" algn="ctr">
+              <a:buNone/>
+            </a:pPr>
+            <a:r>
+              <a:rPr lang="en-US" sz="4000" dirty="0" smtClean="0"/>
+              <a:t>Questions or Discussion?</a:t>
+            </a:r>
+          </a:p>
+          <a:p>
+            <a:pPr marL="0" indent="0">
+              <a:buNone/>
+            </a:pPr>
+            <a:endParaRPr lang="en-US" dirty="0"/>
+          </a:p>
+        </p:txBody>
+      </p:sp>
+    </p:spTree>
+  </p:cSld>
+  <p:clrMapOvr>
+    <a:masterClrMapping/>
+  </p:clrMapOvr>
+  <p:transition/>
+  <p:timing>
+    <p:tnLst>
+      <p:par>
+        <p:cTn id="1" dur="indefinite" restart="never" nodeType="tmRoot"/>
+      </p:par>
+    </p:tnLst>
+  </p:timing>
+</p:sld>
+</file>
+
+<file path=ppt/slides/slide23.xml><?xml version="1.0" encoding="utf-8"?>
+<p:sld xmlns:a="http://schemas.openxmlformats.org/drawingml/2006/main" xmlns:r="http://schemas.openxmlformats.org/officeDocument/2006/relationships" xmlns:p="http://schemas.openxmlformats.org/presentationml/2006/main">
+  <p:cSld>
+    <p:spTree>
+      <p:nvGrpSpPr>
+        <p:cNvPr id="1" name=""/>
+        <p:cNvGrpSpPr/>
+        <p:nvPr/>
+      </p:nvGrpSpPr>
+      <p:grpSpPr>
+        <a:xfrm>
+          <a:off x="0" y="0"/>
+          <a:ext cx="0" cy="0"/>
+          <a:chOff x="0" y="0"/>
+          <a:chExt cx="0" cy="0"/>
+        </a:xfrm>
+      </p:grpSpPr>
+      <p:sp>
+        <p:nvSpPr>
+          <p:cNvPr id="2" name="Title 1"/>
+          <p:cNvSpPr>
+            <a:spLocks noGrp="1"/>
+          </p:cNvSpPr>
+          <p:nvPr>
+            <p:ph type="title"/>
+          </p:nvPr>
+        </p:nvSpPr>
+        <p:spPr/>
+        <p:txBody>
+          <a:bodyPr/>
+          <a:lstStyle/>
+          <a:p>
+            <a:r>
+              <a:rPr lang="en-US" dirty="0" smtClean="0"/>
               <a:t>Some References</a:t>
             </a:r>
             <a:endParaRPr lang="en-US" dirty="0"/>
@@ -8764,23 +9014,13 @@
             </a:pPr>
             <a:r>
               <a:rPr lang="en-US" sz="2000" dirty="0" smtClean="0"/>
-              <a:t>Modular </a:t>
-            </a:r>
-            <a:r>
-              <a:rPr lang="en-US" sz="2000" dirty="0" smtClean="0"/>
-              <a:t>Dashboard: </a:t>
+              <a:t>Modular Dashboard: </a:t>
             </a:r>
             <a:r>
               <a:rPr lang="en-US" sz="2000" dirty="0" smtClean="0">
                 <a:hlinkClick r:id="rId6"/>
               </a:rPr>
-              <a:t>http</a:t>
-            </a:r>
-            <a:r>
-              <a:rPr lang="en-US" sz="2000" dirty="0" smtClean="0">
-                <a:hlinkClick r:id="rId6"/>
-              </a:rPr>
-              <a:t>://perfsonar.racf.bnl.gov:8080/exda/</a:t>
+              <a:t>http://perfsonar.racf.bnl.gov:8080/exda/</a:t>
             </a:r>
             <a:r>
               <a:rPr lang="en-US" sz="2000" dirty="0" smtClean="0"/>
@@ -8966,7 +9206,7 @@
               <a:pPr>
                 <a:defRPr/>
               </a:pPr>
-              <a:t>22</a:t>
+              <a:t>23</a:t>
             </a:fld>
             <a:endParaRPr lang="en-US"/>
           </a:p>
@@ -9027,11 +9267,7 @@
           <a:p>
             <a:r>
               <a:rPr lang="en-US" dirty="0" smtClean="0"/>
-              <a:t>OSG </a:t>
-            </a:r>
-            <a:r>
-              <a:rPr lang="en-US" dirty="0" smtClean="0"/>
-              <a:t>Network  Monitoring Goals</a:t>
+              <a:t>OSG Network  Monitoring Goals</a:t>
             </a:r>
             <a:endParaRPr lang="en-US" dirty="0"/>
           </a:p>
@@ -9281,11 +9517,7 @@
           <a:p>
             <a:r>
               <a:rPr lang="en-US" dirty="0" smtClean="0"/>
-              <a:t>Year 1 Goals and Key </a:t>
-            </a:r>
-            <a:r>
-              <a:rPr lang="en-US" dirty="0" smtClean="0"/>
-              <a:t>Initiatives in Network Area</a:t>
+              <a:t>Year 1 Goals and Key Initiatives in Network Area</a:t>
             </a:r>
             <a:endParaRPr lang="en-US" dirty="0"/>
           </a:p>
@@ -9386,7 +9618,6 @@
               <a:rPr lang="en-US" dirty="0" smtClean="0"/>
               <a:t> Creating documentation for OSG user and VO managers to guide them in understanding and diagnosing network issues</a:t>
             </a:r>
-            <a:endParaRPr lang="en-US" dirty="0" smtClean="0"/>
           </a:p>
           <a:p>
             <a:r>
@@ -9417,7 +9648,7 @@
           <a:p>
             <a:fld id="{30EDDCCA-07B3-46FA-9D0D-8758C5943327}" type="datetime1">
               <a:rPr lang="en-US" smtClean="0"/>
-              <a:t>6/2/2013</a:t>
+              <a:t>6/4/2013</a:t>
             </a:fld>
             <a:endParaRPr lang="en-US"/>
           </a:p>
@@ -10517,11 +10748,7 @@
           <a:p>
             <a:r>
               <a:rPr lang="en-US" dirty="0" smtClean="0"/>
-              <a:t>Example of </a:t>
-            </a:r>
-            <a:r>
-              <a:rPr lang="en-US" dirty="0" smtClean="0"/>
-              <a:t>Original Dashboard</a:t>
+              <a:t>Example of Original Dashboard</a:t>
             </a:r>
             <a:endParaRPr lang="en-US" dirty="0"/>
           </a:p>
@@ -10632,11 +10859,7 @@
           <a:p>
             <a:r>
               <a:rPr lang="en-US" dirty="0" smtClean="0"/>
-              <a:t>See http://</a:t>
-            </a:r>
-            <a:r>
-              <a:rPr lang="en-US" dirty="0" smtClean="0"/>
-              <a:t>perfsonar.racf.bnl.gov:8080/exda/?page=25&amp;cloudName=USCMS </a:t>
+              <a:t>See http://perfsonar.racf.bnl.gov:8080/exda/?page=25&amp;cloudName=USCMS </a:t>
             </a:r>
             <a:endParaRPr lang="en-US" dirty="0"/>
           </a:p>
@@ -10985,15 +11208,7 @@
                   <a:srgbClr val="FF0000"/>
                 </a:solidFill>
               </a:rPr>
-              <a:t>Other  </a:t>
-            </a:r>
-            <a:r>
-              <a:rPr lang="en-US" dirty="0" smtClean="0">
-                <a:solidFill>
-                  <a:srgbClr val="FF0000"/>
-                </a:solidFill>
-              </a:rPr>
-              <a:t>Clouds</a:t>
+              <a:t>Other  Clouds</a:t>
             </a:r>
             <a:endParaRPr lang="en-US" dirty="0">
               <a:solidFill>
